--- a/content/research/research.pptx
+++ b/content/research/research.pptx
@@ -318,7 +318,7 @@
             <a:fld id="{537C81DE-2BDC-4417-8B00-12A0912DB742}" type="datetimeFigureOut">
               <a:rPr kumimoji="1" lang="ja-JP" altLang="en-US" smtClean="0"/>
               <a:pPr/>
-              <a:t>2022/11/28</a:t>
+              <a:t>2026/1/11</a:t>
             </a:fld>
             <a:endParaRPr kumimoji="1" lang="ja-JP" altLang="en-US"/>
           </a:p>
@@ -798,7 +798,7 @@
             <a:fld id="{E90ED720-0104-4369-84BC-D37694168613}" type="datetimeFigureOut">
               <a:rPr kumimoji="1" lang="ja-JP" altLang="en-US" smtClean="0"/>
               <a:pPr/>
-              <a:t>2022/11/28</a:t>
+              <a:t>2026/1/11</a:t>
             </a:fld>
             <a:endParaRPr kumimoji="1" lang="ja-JP" altLang="en-US"/>
           </a:p>
@@ -1000,7 +1000,7 @@
             <a:fld id="{E90ED720-0104-4369-84BC-D37694168613}" type="datetimeFigureOut">
               <a:rPr kumimoji="1" lang="ja-JP" altLang="en-US" smtClean="0"/>
               <a:pPr/>
-              <a:t>2022/11/28</a:t>
+              <a:t>2026/1/11</a:t>
             </a:fld>
             <a:endParaRPr kumimoji="1" lang="ja-JP" altLang="en-US"/>
           </a:p>
@@ -1212,7 +1212,7 @@
             <a:fld id="{E90ED720-0104-4369-84BC-D37694168613}" type="datetimeFigureOut">
               <a:rPr kumimoji="1" lang="ja-JP" altLang="en-US" smtClean="0"/>
               <a:pPr/>
-              <a:t>2022/11/28</a:t>
+              <a:t>2026/1/11</a:t>
             </a:fld>
             <a:endParaRPr kumimoji="1" lang="ja-JP" altLang="en-US"/>
           </a:p>
@@ -1414,7 +1414,7 @@
             <a:fld id="{E90ED720-0104-4369-84BC-D37694168613}" type="datetimeFigureOut">
               <a:rPr kumimoji="1" lang="ja-JP" altLang="en-US" smtClean="0"/>
               <a:pPr/>
-              <a:t>2022/11/28</a:t>
+              <a:t>2026/1/11</a:t>
             </a:fld>
             <a:endParaRPr kumimoji="1" lang="ja-JP" altLang="en-US"/>
           </a:p>
@@ -1661,7 +1661,7 @@
             <a:fld id="{E90ED720-0104-4369-84BC-D37694168613}" type="datetimeFigureOut">
               <a:rPr kumimoji="1" lang="ja-JP" altLang="en-US" smtClean="0"/>
               <a:pPr/>
-              <a:t>2022/11/28</a:t>
+              <a:t>2026/1/11</a:t>
             </a:fld>
             <a:endParaRPr kumimoji="1" lang="ja-JP" altLang="en-US"/>
           </a:p>
@@ -2012,7 +2012,7 @@
             <a:fld id="{E90ED720-0104-4369-84BC-D37694168613}" type="datetimeFigureOut">
               <a:rPr kumimoji="1" lang="ja-JP" altLang="en-US" smtClean="0"/>
               <a:pPr/>
-              <a:t>2022/11/28</a:t>
+              <a:t>2026/1/11</a:t>
             </a:fld>
             <a:endParaRPr kumimoji="1" lang="ja-JP" altLang="en-US"/>
           </a:p>
@@ -2497,7 +2497,7 @@
             <a:fld id="{E90ED720-0104-4369-84BC-D37694168613}" type="datetimeFigureOut">
               <a:rPr kumimoji="1" lang="ja-JP" altLang="en-US" smtClean="0"/>
               <a:pPr/>
-              <a:t>2022/11/28</a:t>
+              <a:t>2026/1/11</a:t>
             </a:fld>
             <a:endParaRPr kumimoji="1" lang="ja-JP" altLang="en-US"/>
           </a:p>
@@ -2616,7 +2616,7 @@
             <a:fld id="{E90ED720-0104-4369-84BC-D37694168613}" type="datetimeFigureOut">
               <a:rPr kumimoji="1" lang="ja-JP" altLang="en-US" smtClean="0"/>
               <a:pPr/>
-              <a:t>2022/11/28</a:t>
+              <a:t>2026/1/11</a:t>
             </a:fld>
             <a:endParaRPr kumimoji="1" lang="ja-JP" altLang="en-US"/>
           </a:p>
@@ -2713,7 +2713,7 @@
             <a:fld id="{E90ED720-0104-4369-84BC-D37694168613}" type="datetimeFigureOut">
               <a:rPr kumimoji="1" lang="ja-JP" altLang="en-US" smtClean="0"/>
               <a:pPr/>
-              <a:t>2022/11/28</a:t>
+              <a:t>2026/1/11</a:t>
             </a:fld>
             <a:endParaRPr kumimoji="1" lang="ja-JP" altLang="en-US"/>
           </a:p>
@@ -3022,7 +3022,7 @@
             <a:fld id="{E90ED720-0104-4369-84BC-D37694168613}" type="datetimeFigureOut">
               <a:rPr kumimoji="1" lang="ja-JP" altLang="en-US" smtClean="0"/>
               <a:pPr/>
-              <a:t>2022/11/28</a:t>
+              <a:t>2026/1/11</a:t>
             </a:fld>
             <a:endParaRPr kumimoji="1" lang="ja-JP" altLang="en-US"/>
           </a:p>
@@ -3276,7 +3276,7 @@
             <a:fld id="{E90ED720-0104-4369-84BC-D37694168613}" type="datetimeFigureOut">
               <a:rPr kumimoji="1" lang="ja-JP" altLang="en-US" smtClean="0"/>
               <a:pPr/>
-              <a:t>2022/11/28</a:t>
+              <a:t>2026/1/11</a:t>
             </a:fld>
             <a:endParaRPr kumimoji="1" lang="ja-JP" altLang="en-US"/>
           </a:p>
@@ -3521,7 +3521,7 @@
             <a:fld id="{E90ED720-0104-4369-84BC-D37694168613}" type="datetimeFigureOut">
               <a:rPr kumimoji="1" lang="ja-JP" altLang="en-US" smtClean="0"/>
               <a:pPr/>
-              <a:t>2022/11/28</a:t>
+              <a:t>2026/1/11</a:t>
             </a:fld>
             <a:endParaRPr kumimoji="1" lang="ja-JP" altLang="en-US"/>
           </a:p>
@@ -3911,8 +3911,8 @@
         </p:nvSpPr>
         <p:spPr>
           <a:xfrm>
-            <a:off x="842650" y="1887257"/>
-            <a:ext cx="2387751" cy="307777"/>
+            <a:off x="721451" y="1799019"/>
+            <a:ext cx="2387751" cy="338554"/>
           </a:xfrm>
           <a:prstGeom prst="rect">
             <a:avLst/>
@@ -3927,10 +3927,9 @@
           <a:p>
             <a:pPr algn="ctr"/>
             <a:r>
-              <a:rPr kumimoji="1" lang="ja-JP" altLang="en-US" sz="1400"/>
-              <a:t>シミュレーション</a:t>
-            </a:r>
-            <a:endParaRPr kumimoji="1" lang="en-US" altLang="ja-JP" sz="1400" dirty="0"/>
+              <a:rPr kumimoji="1" lang="en-US" altLang="ja-JP" sz="1600" dirty="0"/>
+              <a:t>Simulation</a:t>
+            </a:r>
           </a:p>
         </p:txBody>
       </p:sp>
@@ -3948,8 +3947,8 @@
         </p:nvSpPr>
         <p:spPr>
           <a:xfrm>
-            <a:off x="6401004" y="1922379"/>
-            <a:ext cx="1473480" cy="307777"/>
+            <a:off x="6372200" y="1868268"/>
+            <a:ext cx="1244636" cy="338554"/>
           </a:xfrm>
           <a:prstGeom prst="rect">
             <a:avLst/>
@@ -3964,10 +3963,9 @@
           <a:p>
             <a:pPr algn="ctr"/>
             <a:r>
-              <a:rPr kumimoji="1" lang="ja-JP" altLang="en-US" sz="1400"/>
-              <a:t>データサイエンス</a:t>
-            </a:r>
-            <a:endParaRPr kumimoji="1" lang="en-US" altLang="ja-JP" sz="1400" dirty="0"/>
+              <a:rPr kumimoji="1" lang="en-US" altLang="ja-JP" sz="1600" dirty="0"/>
+              <a:t>Data Science</a:t>
+            </a:r>
           </a:p>
         </p:txBody>
       </p:sp>
@@ -4077,8 +4075,8 @@
         </p:nvSpPr>
         <p:spPr>
           <a:xfrm>
-            <a:off x="3898247" y="2132022"/>
-            <a:ext cx="1021433" cy="307777"/>
+            <a:off x="3477791" y="2132022"/>
+            <a:ext cx="1895904" cy="307777"/>
           </a:xfrm>
           <a:prstGeom prst="rect">
             <a:avLst/>
@@ -4092,10 +4090,9 @@
           <a:lstStyle/>
           <a:p>
             <a:r>
-              <a:rPr kumimoji="1" lang="ja-JP" altLang="en-US" sz="1400"/>
-              <a:t>観測、検証</a:t>
-            </a:r>
-            <a:endParaRPr kumimoji="1" lang="en-US" altLang="ja-JP" sz="1400" dirty="0"/>
+              <a:rPr kumimoji="1" lang="en-US" altLang="ja-JP" sz="1400" dirty="0"/>
+              <a:t>Observation, Validation</a:t>
+            </a:r>
           </a:p>
         </p:txBody>
       </p:sp>
@@ -4213,8 +4210,8 @@
         </p:nvSpPr>
         <p:spPr>
           <a:xfrm>
-            <a:off x="3698162" y="3032846"/>
-            <a:ext cx="1518364" cy="338554"/>
+            <a:off x="3852881" y="3032846"/>
+            <a:ext cx="1177823" cy="338554"/>
           </a:xfrm>
           <a:prstGeom prst="rect">
             <a:avLst/>
@@ -4228,13 +4225,18 @@
           <a:lstStyle/>
           <a:p>
             <a:r>
-              <a:rPr kumimoji="1" lang="ja-JP" altLang="en-US" sz="1600">
+              <a:rPr kumimoji="1" lang="en-US" altLang="ja-JP" sz="1600" dirty="0">
                 <a:solidFill>
                   <a:srgbClr val="C00000"/>
                 </a:solidFill>
               </a:rPr>
-              <a:t>自動化・迅速化</a:t>
-            </a:r>
+              <a:t>Automation</a:t>
+            </a:r>
+            <a:endParaRPr kumimoji="1" lang="ja-JP" altLang="en-US" sz="1600">
+              <a:solidFill>
+                <a:srgbClr val="C00000"/>
+              </a:solidFill>
+            </a:endParaRPr>
           </a:p>
         </p:txBody>
       </p:sp>
@@ -4252,8 +4254,8 @@
         </p:nvSpPr>
         <p:spPr>
           <a:xfrm>
-            <a:off x="3454580" y="4077072"/>
-            <a:ext cx="1919115" cy="307777"/>
+            <a:off x="3426110" y="4077072"/>
+            <a:ext cx="2198230" cy="307777"/>
           </a:xfrm>
           <a:prstGeom prst="rect">
             <a:avLst/>
@@ -4267,10 +4269,9 @@
           <a:lstStyle/>
           <a:p>
             <a:r>
-              <a:rPr kumimoji="1" lang="ja-JP" altLang="en-US" sz="1400"/>
-              <a:t>表現の学習、仮説提案</a:t>
-            </a:r>
-            <a:endParaRPr kumimoji="1" lang="en-US" altLang="ja-JP" sz="1400" dirty="0"/>
+              <a:rPr kumimoji="1" lang="en-US" altLang="ja-JP" sz="1400" dirty="0"/>
+              <a:t>Representation, Hypothesis</a:t>
+            </a:r>
           </a:p>
         </p:txBody>
       </p:sp>
@@ -4288,8 +4289,8 @@
         </p:nvSpPr>
         <p:spPr>
           <a:xfrm>
-            <a:off x="4022695" y="1794302"/>
-            <a:ext cx="800219" cy="338554"/>
+            <a:off x="3605599" y="1794302"/>
+            <a:ext cx="1629998" cy="338554"/>
           </a:xfrm>
           <a:prstGeom prst="rect">
             <a:avLst/>
@@ -4303,13 +4304,18 @@
           <a:lstStyle/>
           <a:p>
             <a:r>
-              <a:rPr kumimoji="1" lang="ja-JP" altLang="en-US" sz="1600">
+              <a:rPr kumimoji="1" lang="en-US" altLang="ja-JP" sz="1600" dirty="0">
                 <a:solidFill>
                   <a:srgbClr val="C00000"/>
                 </a:solidFill>
               </a:rPr>
-              <a:t>順問題</a:t>
-            </a:r>
+              <a:t>Forward Problem</a:t>
+            </a:r>
+            <a:endParaRPr kumimoji="1" lang="ja-JP" altLang="en-US" sz="1600">
+              <a:solidFill>
+                <a:srgbClr val="C00000"/>
+              </a:solidFill>
+            </a:endParaRPr>
           </a:p>
         </p:txBody>
       </p:sp>
@@ -4327,8 +4333,8 @@
         </p:nvSpPr>
         <p:spPr>
           <a:xfrm>
-            <a:off x="4059813" y="4314582"/>
-            <a:ext cx="800219" cy="338554"/>
+            <a:off x="3758386" y="4314582"/>
+            <a:ext cx="1534972" cy="338554"/>
           </a:xfrm>
           <a:prstGeom prst="rect">
             <a:avLst/>
@@ -4342,13 +4348,18 @@
           <a:lstStyle/>
           <a:p>
             <a:r>
-              <a:rPr kumimoji="1" lang="ja-JP" altLang="en-US" sz="1600">
+              <a:rPr kumimoji="1" lang="en-US" altLang="ja-JP" sz="1600" dirty="0">
                 <a:solidFill>
                   <a:srgbClr val="C00000"/>
                 </a:solidFill>
               </a:rPr>
-              <a:t>逆問題</a:t>
-            </a:r>
+              <a:t>Inverse Problem</a:t>
+            </a:r>
+            <a:endParaRPr kumimoji="1" lang="ja-JP" altLang="en-US" sz="1600">
+              <a:solidFill>
+                <a:srgbClr val="C00000"/>
+              </a:solidFill>
+            </a:endParaRPr>
           </a:p>
         </p:txBody>
       </p:sp>
